--- a/maquettage/Présentation1.pptx
+++ b/maquettage/Présentation1.pptx
@@ -269,7 +269,7 @@
           <a:p>
             <a:fld id="{5B9AA3B8-5A5E-44D9-8B96-407D3BEDD1DF}" type="datetimeFigureOut">
               <a:rPr lang="fr-FR" smtClean="0"/>
-              <a:t>19/12/2019</a:t>
+              <a:t>20/12/2019</a:t>
             </a:fld>
             <a:endParaRPr lang="fr-FR"/>
           </a:p>
@@ -467,7 +467,7 @@
           <a:p>
             <a:fld id="{5B9AA3B8-5A5E-44D9-8B96-407D3BEDD1DF}" type="datetimeFigureOut">
               <a:rPr lang="fr-FR" smtClean="0"/>
-              <a:t>19/12/2019</a:t>
+              <a:t>20/12/2019</a:t>
             </a:fld>
             <a:endParaRPr lang="fr-FR"/>
           </a:p>
@@ -675,7 +675,7 @@
           <a:p>
             <a:fld id="{5B9AA3B8-5A5E-44D9-8B96-407D3BEDD1DF}" type="datetimeFigureOut">
               <a:rPr lang="fr-FR" smtClean="0"/>
-              <a:t>19/12/2019</a:t>
+              <a:t>20/12/2019</a:t>
             </a:fld>
             <a:endParaRPr lang="fr-FR"/>
           </a:p>
@@ -873,7 +873,7 @@
           <a:p>
             <a:fld id="{5B9AA3B8-5A5E-44D9-8B96-407D3BEDD1DF}" type="datetimeFigureOut">
               <a:rPr lang="fr-FR" smtClean="0"/>
-              <a:t>19/12/2019</a:t>
+              <a:t>20/12/2019</a:t>
             </a:fld>
             <a:endParaRPr lang="fr-FR"/>
           </a:p>
@@ -1148,7 +1148,7 @@
           <a:p>
             <a:fld id="{5B9AA3B8-5A5E-44D9-8B96-407D3BEDD1DF}" type="datetimeFigureOut">
               <a:rPr lang="fr-FR" smtClean="0"/>
-              <a:t>19/12/2019</a:t>
+              <a:t>20/12/2019</a:t>
             </a:fld>
             <a:endParaRPr lang="fr-FR"/>
           </a:p>
@@ -1413,7 +1413,7 @@
           <a:p>
             <a:fld id="{5B9AA3B8-5A5E-44D9-8B96-407D3BEDD1DF}" type="datetimeFigureOut">
               <a:rPr lang="fr-FR" smtClean="0"/>
-              <a:t>19/12/2019</a:t>
+              <a:t>20/12/2019</a:t>
             </a:fld>
             <a:endParaRPr lang="fr-FR"/>
           </a:p>
@@ -1825,7 +1825,7 @@
           <a:p>
             <a:fld id="{5B9AA3B8-5A5E-44D9-8B96-407D3BEDD1DF}" type="datetimeFigureOut">
               <a:rPr lang="fr-FR" smtClean="0"/>
-              <a:t>19/12/2019</a:t>
+              <a:t>20/12/2019</a:t>
             </a:fld>
             <a:endParaRPr lang="fr-FR"/>
           </a:p>
@@ -1966,7 +1966,7 @@
           <a:p>
             <a:fld id="{5B9AA3B8-5A5E-44D9-8B96-407D3BEDD1DF}" type="datetimeFigureOut">
               <a:rPr lang="fr-FR" smtClean="0"/>
-              <a:t>19/12/2019</a:t>
+              <a:t>20/12/2019</a:t>
             </a:fld>
             <a:endParaRPr lang="fr-FR"/>
           </a:p>
@@ -2079,7 +2079,7 @@
           <a:p>
             <a:fld id="{5B9AA3B8-5A5E-44D9-8B96-407D3BEDD1DF}" type="datetimeFigureOut">
               <a:rPr lang="fr-FR" smtClean="0"/>
-              <a:t>19/12/2019</a:t>
+              <a:t>20/12/2019</a:t>
             </a:fld>
             <a:endParaRPr lang="fr-FR"/>
           </a:p>
@@ -2390,7 +2390,7 @@
           <a:p>
             <a:fld id="{5B9AA3B8-5A5E-44D9-8B96-407D3BEDD1DF}" type="datetimeFigureOut">
               <a:rPr lang="fr-FR" smtClean="0"/>
-              <a:t>19/12/2019</a:t>
+              <a:t>20/12/2019</a:t>
             </a:fld>
             <a:endParaRPr lang="fr-FR"/>
           </a:p>
@@ -2678,7 +2678,7 @@
           <a:p>
             <a:fld id="{5B9AA3B8-5A5E-44D9-8B96-407D3BEDD1DF}" type="datetimeFigureOut">
               <a:rPr lang="fr-FR" smtClean="0"/>
-              <a:t>19/12/2019</a:t>
+              <a:t>20/12/2019</a:t>
             </a:fld>
             <a:endParaRPr lang="fr-FR"/>
           </a:p>
@@ -2919,7 +2919,7 @@
           <a:p>
             <a:fld id="{5B9AA3B8-5A5E-44D9-8B96-407D3BEDD1DF}" type="datetimeFigureOut">
               <a:rPr lang="fr-FR" smtClean="0"/>
-              <a:t>19/12/2019</a:t>
+              <a:t>20/12/2019</a:t>
             </a:fld>
             <a:endParaRPr lang="fr-FR"/>
           </a:p>
@@ -9383,7 +9383,7 @@
         </p:nvSpPr>
         <p:spPr>
           <a:xfrm>
-            <a:off x="536210" y="1998663"/>
+            <a:off x="658005" y="1971040"/>
             <a:ext cx="11119580" cy="3607425"/>
           </a:xfrm>
           <a:prstGeom prst="rect">
@@ -9432,8 +9432,8 @@
         </p:nvSpPr>
         <p:spPr>
           <a:xfrm>
-            <a:off x="796348" y="3064806"/>
-            <a:ext cx="10692054" cy="2337924"/>
+            <a:off x="796348" y="3769369"/>
+            <a:ext cx="9042890" cy="1633359"/>
           </a:xfrm>
           <a:prstGeom prst="rect">
             <a:avLst/>
@@ -9490,20 +9490,160 @@
       </p:sp>
       <p:sp>
         <p:nvSpPr>
-          <p:cNvPr id="20" name="Rectangle 19">
-            <a:extLst>
-              <a:ext uri="{FF2B5EF4-FFF2-40B4-BE49-F238E27FC236}">
-                <a16:creationId xmlns:a16="http://schemas.microsoft.com/office/drawing/2014/main" id="{6D6C19A5-13A9-442D-89EA-D89AF876F0E0}"/>
-              </a:ext>
-            </a:extLst>
-          </p:cNvPr>
-          <p:cNvSpPr/>
-          <p:nvPr/>
-        </p:nvSpPr>
-        <p:spPr>
-          <a:xfrm>
-            <a:off x="5368348" y="2168759"/>
-            <a:ext cx="4052341" cy="700489"/>
+          <p:cNvPr id="21" name="Rectangle 20">
+            <a:extLst>
+              <a:ext uri="{FF2B5EF4-FFF2-40B4-BE49-F238E27FC236}">
+                <a16:creationId xmlns:a16="http://schemas.microsoft.com/office/drawing/2014/main" id="{89AA38E6-4C5D-48AC-852F-FAAAD750517B}"/>
+              </a:ext>
+            </a:extLst>
+          </p:cNvPr>
+          <p:cNvSpPr/>
+          <p:nvPr/>
+        </p:nvSpPr>
+        <p:spPr>
+          <a:xfrm>
+            <a:off x="796348" y="2176772"/>
+            <a:ext cx="5679880" cy="1480648"/>
+          </a:xfrm>
+          <a:prstGeom prst="rect">
+            <a:avLst/>
+          </a:prstGeom>
+          <a:ln>
+            <a:solidFill>
+              <a:srgbClr val="FFFF00"/>
+            </a:solidFill>
+          </a:ln>
+        </p:spPr>
+        <p:style>
+          <a:lnRef idx="2">
+            <a:schemeClr val="dk1">
+              <a:shade val="50000"/>
+            </a:schemeClr>
+          </a:lnRef>
+          <a:fillRef idx="1">
+            <a:schemeClr val="dk1"/>
+          </a:fillRef>
+          <a:effectRef idx="0">
+            <a:schemeClr val="dk1"/>
+          </a:effectRef>
+          <a:fontRef idx="minor">
+            <a:schemeClr val="lt1"/>
+          </a:fontRef>
+        </p:style>
+        <p:txBody>
+          <a:bodyPr rot="0" spcFirstLastPara="0" vert="horz" wrap="square" lIns="91440" tIns="45720" rIns="91440" bIns="45720" numCol="1" spcCol="0" rtlCol="0" fromWordArt="0" anchor="ctr" anchorCtr="0" forceAA="0" compatLnSpc="1">
+            <a:prstTxWarp prst="textNoShape">
+              <a:avLst/>
+            </a:prstTxWarp>
+            <a:noAutofit/>
+          </a:bodyPr>
+          <a:lstStyle/>
+          <a:p>
+            <a:pPr>
+              <a:lnSpc>
+                <a:spcPct val="107000"/>
+              </a:lnSpc>
+              <a:spcAft>
+                <a:spcPts val="800"/>
+              </a:spcAft>
+            </a:pPr>
+            <a:r>
+              <a:rPr lang="fr-FR" sz="1100" dirty="0">
+                <a:effectLst/>
+                <a:ea typeface="Times New Roman" panose="02020603050405020304" pitchFamily="18" charset="0"/>
+                <a:cs typeface="Times New Roman" panose="02020603050405020304" pitchFamily="18" charset="0"/>
+              </a:rPr>
+              <a:t>Coordonnées 		Nom</a:t>
+            </a:r>
+          </a:p>
+          <a:p>
+            <a:pPr>
+              <a:lnSpc>
+                <a:spcPct val="107000"/>
+              </a:lnSpc>
+              <a:spcAft>
+                <a:spcPts val="800"/>
+              </a:spcAft>
+            </a:pPr>
+            <a:r>
+              <a:rPr lang="fr-FR" sz="1100" dirty="0">
+                <a:ea typeface="Times New Roman" panose="02020603050405020304" pitchFamily="18" charset="0"/>
+                <a:cs typeface="Times New Roman" panose="02020603050405020304" pitchFamily="18" charset="0"/>
+              </a:rPr>
+              <a:t>		Prénom</a:t>
+            </a:r>
+          </a:p>
+          <a:p>
+            <a:pPr>
+              <a:lnSpc>
+                <a:spcPct val="107000"/>
+              </a:lnSpc>
+              <a:spcAft>
+                <a:spcPts val="800"/>
+              </a:spcAft>
+            </a:pPr>
+            <a:r>
+              <a:rPr lang="fr-FR" sz="1100" dirty="0">
+                <a:effectLst/>
+                <a:ea typeface="Times New Roman" panose="02020603050405020304" pitchFamily="18" charset="0"/>
+                <a:cs typeface="Times New Roman" panose="02020603050405020304" pitchFamily="18" charset="0"/>
+              </a:rPr>
+              <a:t>		mail</a:t>
+            </a:r>
+          </a:p>
+          <a:p>
+            <a:pPr>
+              <a:lnSpc>
+                <a:spcPct val="107000"/>
+              </a:lnSpc>
+              <a:spcAft>
+                <a:spcPts val="800"/>
+              </a:spcAft>
+            </a:pPr>
+            <a:r>
+              <a:rPr lang="fr-FR" sz="1100" dirty="0">
+                <a:ea typeface="Times New Roman" panose="02020603050405020304" pitchFamily="18" charset="0"/>
+                <a:cs typeface="Times New Roman" panose="02020603050405020304" pitchFamily="18" charset="0"/>
+              </a:rPr>
+              <a:t>		entreprise</a:t>
+            </a:r>
+          </a:p>
+          <a:p>
+            <a:pPr>
+              <a:lnSpc>
+                <a:spcPct val="107000"/>
+              </a:lnSpc>
+              <a:spcAft>
+                <a:spcPts val="800"/>
+              </a:spcAft>
+            </a:pPr>
+            <a:r>
+              <a:rPr lang="fr-FR" sz="1100" dirty="0">
+                <a:effectLst/>
+                <a:ea typeface="Times New Roman" panose="02020603050405020304" pitchFamily="18" charset="0"/>
+                <a:cs typeface="Times New Roman" panose="02020603050405020304" pitchFamily="18" charset="0"/>
+              </a:rPr>
+              <a:t>		adresse</a:t>
+            </a:r>
+          </a:p>
+        </p:txBody>
+      </p:sp>
+      <p:sp>
+        <p:nvSpPr>
+          <p:cNvPr id="22" name="Rectangle 21">
+            <a:extLst>
+              <a:ext uri="{FF2B5EF4-FFF2-40B4-BE49-F238E27FC236}">
+                <a16:creationId xmlns:a16="http://schemas.microsoft.com/office/drawing/2014/main" id="{D663F7D1-37D3-44D9-8B0F-C2EAFCAD3F23}"/>
+              </a:ext>
+            </a:extLst>
+          </p:cNvPr>
+          <p:cNvSpPr/>
+          <p:nvPr/>
+        </p:nvSpPr>
+        <p:spPr>
+          <a:xfrm>
+            <a:off x="9915786" y="3755964"/>
+            <a:ext cx="1785251" cy="1633359"/>
           </a:xfrm>
           <a:prstGeom prst="rect">
             <a:avLst/>
@@ -9549,160 +9689,167 @@
             </a:pPr>
             <a:r>
               <a:rPr lang="fr-FR" sz="1100" dirty="0">
-                <a:ea typeface="Times New Roman" panose="02020603050405020304" pitchFamily="18" charset="0"/>
-                <a:cs typeface="Times New Roman" panose="02020603050405020304" pitchFamily="18" charset="0"/>
-              </a:rPr>
-              <a:t>Objet</a:t>
-            </a:r>
-            <a:endParaRPr lang="fr-FR" sz="1100" dirty="0">
-              <a:effectLst/>
-              <a:ea typeface="Times New Roman" panose="02020603050405020304" pitchFamily="18" charset="0"/>
-              <a:cs typeface="Times New Roman" panose="02020603050405020304" pitchFamily="18" charset="0"/>
-            </a:endParaRPr>
-          </a:p>
-        </p:txBody>
-      </p:sp>
-      <p:sp>
-        <p:nvSpPr>
-          <p:cNvPr id="21" name="Rectangle 20">
-            <a:extLst>
-              <a:ext uri="{FF2B5EF4-FFF2-40B4-BE49-F238E27FC236}">
-                <a16:creationId xmlns:a16="http://schemas.microsoft.com/office/drawing/2014/main" id="{89AA38E6-4C5D-48AC-852F-FAAAD750517B}"/>
-              </a:ext>
-            </a:extLst>
-          </p:cNvPr>
-          <p:cNvSpPr/>
-          <p:nvPr/>
-        </p:nvSpPr>
-        <p:spPr>
-          <a:xfrm>
-            <a:off x="796348" y="2176772"/>
-            <a:ext cx="4311862" cy="700489"/>
-          </a:xfrm>
-          <a:prstGeom prst="rect">
-            <a:avLst/>
-          </a:prstGeom>
-          <a:ln>
-            <a:solidFill>
-              <a:srgbClr val="FFFF00"/>
-            </a:solidFill>
-          </a:ln>
-        </p:spPr>
-        <p:style>
-          <a:lnRef idx="2">
-            <a:schemeClr val="dk1">
-              <a:shade val="50000"/>
-            </a:schemeClr>
-          </a:lnRef>
-          <a:fillRef idx="1">
-            <a:schemeClr val="dk1"/>
-          </a:fillRef>
-          <a:effectRef idx="0">
-            <a:schemeClr val="dk1"/>
-          </a:effectRef>
-          <a:fontRef idx="minor">
-            <a:schemeClr val="lt1"/>
-          </a:fontRef>
-        </p:style>
-        <p:txBody>
-          <a:bodyPr rot="0" spcFirstLastPara="0" vert="horz" wrap="square" lIns="91440" tIns="45720" rIns="91440" bIns="45720" numCol="1" spcCol="0" rtlCol="0" fromWordArt="0" anchor="ctr" anchorCtr="0" forceAA="0" compatLnSpc="1">
-            <a:prstTxWarp prst="textNoShape">
-              <a:avLst/>
-            </a:prstTxWarp>
-            <a:noAutofit/>
-          </a:bodyPr>
-          <a:lstStyle/>
-          <a:p>
-            <a:pPr algn="ctr">
-              <a:lnSpc>
-                <a:spcPct val="107000"/>
-              </a:lnSpc>
-              <a:spcAft>
-                <a:spcPts val="800"/>
-              </a:spcAft>
-            </a:pPr>
-            <a:r>
-              <a:rPr lang="fr-FR" sz="1100" dirty="0" err="1">
-                <a:effectLst/>
-                <a:ea typeface="Times New Roman" panose="02020603050405020304" pitchFamily="18" charset="0"/>
-                <a:cs typeface="Times New Roman" panose="02020603050405020304" pitchFamily="18" charset="0"/>
-              </a:rPr>
-              <a:t>Coordonées</a:t>
-            </a:r>
-            <a:endParaRPr lang="fr-FR" sz="1100" dirty="0">
-              <a:effectLst/>
-              <a:ea typeface="Times New Roman" panose="02020603050405020304" pitchFamily="18" charset="0"/>
-              <a:cs typeface="Times New Roman" panose="02020603050405020304" pitchFamily="18" charset="0"/>
-            </a:endParaRPr>
-          </a:p>
-        </p:txBody>
-      </p:sp>
-      <p:sp>
-        <p:nvSpPr>
-          <p:cNvPr id="22" name="Rectangle 21">
-            <a:extLst>
-              <a:ext uri="{FF2B5EF4-FFF2-40B4-BE49-F238E27FC236}">
-                <a16:creationId xmlns:a16="http://schemas.microsoft.com/office/drawing/2014/main" id="{D663F7D1-37D3-44D9-8B0F-C2EAFCAD3F23}"/>
-              </a:ext>
-            </a:extLst>
-          </p:cNvPr>
-          <p:cNvSpPr/>
-          <p:nvPr/>
-        </p:nvSpPr>
-        <p:spPr>
-          <a:xfrm>
-            <a:off x="9642106" y="2168759"/>
-            <a:ext cx="1846296" cy="700489"/>
-          </a:xfrm>
-          <a:prstGeom prst="rect">
-            <a:avLst/>
-          </a:prstGeom>
-          <a:ln>
-            <a:solidFill>
-              <a:srgbClr val="FFFF00"/>
-            </a:solidFill>
-          </a:ln>
-        </p:spPr>
-        <p:style>
-          <a:lnRef idx="2">
-            <a:schemeClr val="dk1">
-              <a:shade val="50000"/>
-            </a:schemeClr>
-          </a:lnRef>
-          <a:fillRef idx="1">
-            <a:schemeClr val="dk1"/>
-          </a:fillRef>
-          <a:effectRef idx="0">
-            <a:schemeClr val="dk1"/>
-          </a:effectRef>
-          <a:fontRef idx="minor">
-            <a:schemeClr val="lt1"/>
-          </a:fontRef>
-        </p:style>
-        <p:txBody>
-          <a:bodyPr rot="0" spcFirstLastPara="0" vert="horz" wrap="square" lIns="91440" tIns="45720" rIns="91440" bIns="45720" numCol="1" spcCol="0" rtlCol="0" fromWordArt="0" anchor="ctr" anchorCtr="0" forceAA="0" compatLnSpc="1">
-            <a:prstTxWarp prst="textNoShape">
-              <a:avLst/>
-            </a:prstTxWarp>
-            <a:noAutofit/>
-          </a:bodyPr>
-          <a:lstStyle/>
-          <a:p>
-            <a:pPr algn="ctr">
-              <a:lnSpc>
-                <a:spcPct val="107000"/>
-              </a:lnSpc>
-              <a:spcAft>
-                <a:spcPts val="800"/>
-              </a:spcAft>
-            </a:pPr>
-            <a:r>
-              <a:rPr lang="fr-FR" sz="1100" dirty="0">
                 <a:effectLst/>
                 <a:ea typeface="Times New Roman" panose="02020603050405020304" pitchFamily="18" charset="0"/>
                 <a:cs typeface="Times New Roman" panose="02020603050405020304" pitchFamily="18" charset="0"/>
               </a:rPr>
               <a:t>ENVOYER</a:t>
+            </a:r>
+          </a:p>
+        </p:txBody>
+      </p:sp>
+      <p:sp>
+        <p:nvSpPr>
+          <p:cNvPr id="4" name="Rectangle 3">
+            <a:extLst>
+              <a:ext uri="{FF2B5EF4-FFF2-40B4-BE49-F238E27FC236}">
+                <a16:creationId xmlns:a16="http://schemas.microsoft.com/office/drawing/2014/main" id="{7E5EA161-7DD7-454D-96E7-B3432CB0202D}"/>
+              </a:ext>
+            </a:extLst>
+          </p:cNvPr>
+          <p:cNvSpPr/>
+          <p:nvPr/>
+        </p:nvSpPr>
+        <p:spPr>
+          <a:xfrm>
+            <a:off x="6614571" y="2170764"/>
+            <a:ext cx="5044664" cy="1480648"/>
+          </a:xfrm>
+          <a:prstGeom prst="rect">
+            <a:avLst/>
+          </a:prstGeom>
+          <a:solidFill>
+            <a:srgbClr val="FF0000"/>
+          </a:solidFill>
+        </p:spPr>
+        <p:style>
+          <a:lnRef idx="2">
+            <a:schemeClr val="accent1">
+              <a:shade val="50000"/>
+            </a:schemeClr>
+          </a:lnRef>
+          <a:fillRef idx="1">
+            <a:schemeClr val="accent1"/>
+          </a:fillRef>
+          <a:effectRef idx="0">
+            <a:schemeClr val="accent1"/>
+          </a:effectRef>
+          <a:fontRef idx="minor">
+            <a:schemeClr val="lt1"/>
+          </a:fontRef>
+        </p:style>
+        <p:txBody>
+          <a:bodyPr rtlCol="0" anchor="ctr"/>
+          <a:lstStyle/>
+          <a:p>
+            <a:pPr algn="ctr"/>
+            <a:r>
+              <a:rPr lang="fr-FR" dirty="0"/>
+              <a:t>CAPTCHA</a:t>
+            </a:r>
+          </a:p>
+        </p:txBody>
+      </p:sp>
+      <p:sp>
+        <p:nvSpPr>
+          <p:cNvPr id="13" name="Rectangle 12">
+            <a:extLst>
+              <a:ext uri="{FF2B5EF4-FFF2-40B4-BE49-F238E27FC236}">
+                <a16:creationId xmlns:a16="http://schemas.microsoft.com/office/drawing/2014/main" id="{47DEF475-4C37-4EC6-B5AB-97DD2E085037}"/>
+              </a:ext>
+            </a:extLst>
+          </p:cNvPr>
+          <p:cNvSpPr/>
+          <p:nvPr/>
+        </p:nvSpPr>
+        <p:spPr>
+          <a:xfrm>
+            <a:off x="10368866" y="4816496"/>
+            <a:ext cx="939567" cy="366351"/>
+          </a:xfrm>
+          <a:prstGeom prst="rect">
+            <a:avLst/>
+          </a:prstGeom>
+          <a:solidFill>
+            <a:srgbClr val="FF0000"/>
+          </a:solidFill>
+        </p:spPr>
+        <p:style>
+          <a:lnRef idx="2">
+            <a:schemeClr val="accent1">
+              <a:shade val="50000"/>
+            </a:schemeClr>
+          </a:lnRef>
+          <a:fillRef idx="1">
+            <a:schemeClr val="accent1"/>
+          </a:fillRef>
+          <a:effectRef idx="0">
+            <a:schemeClr val="accent1"/>
+          </a:effectRef>
+          <a:fontRef idx="minor">
+            <a:schemeClr val="lt1"/>
+          </a:fontRef>
+        </p:style>
+        <p:txBody>
+          <a:bodyPr rtlCol="0" anchor="ctr"/>
+          <a:lstStyle/>
+          <a:p>
+            <a:pPr algn="ctr"/>
+            <a:r>
+              <a:rPr lang="fr-FR" sz="800" dirty="0"/>
+              <a:t>Recommandation</a:t>
+            </a:r>
+          </a:p>
+        </p:txBody>
+      </p:sp>
+      <p:sp>
+        <p:nvSpPr>
+          <p:cNvPr id="23" name="Rectangle 22">
+            <a:extLst>
+              <a:ext uri="{FF2B5EF4-FFF2-40B4-BE49-F238E27FC236}">
+                <a16:creationId xmlns:a16="http://schemas.microsoft.com/office/drawing/2014/main" id="{73F652AB-4813-4C10-9E45-B3991034E023}"/>
+              </a:ext>
+            </a:extLst>
+          </p:cNvPr>
+          <p:cNvSpPr/>
+          <p:nvPr/>
+        </p:nvSpPr>
+        <p:spPr>
+          <a:xfrm>
+            <a:off x="10368866" y="3968169"/>
+            <a:ext cx="939567" cy="366351"/>
+          </a:xfrm>
+          <a:prstGeom prst="rect">
+            <a:avLst/>
+          </a:prstGeom>
+          <a:solidFill>
+            <a:srgbClr val="FF0000"/>
+          </a:solidFill>
+        </p:spPr>
+        <p:style>
+          <a:lnRef idx="2">
+            <a:schemeClr val="accent1">
+              <a:shade val="50000"/>
+            </a:schemeClr>
+          </a:lnRef>
+          <a:fillRef idx="1">
+            <a:schemeClr val="accent1"/>
+          </a:fillRef>
+          <a:effectRef idx="0">
+            <a:schemeClr val="accent1"/>
+          </a:effectRef>
+          <a:fontRef idx="minor">
+            <a:schemeClr val="lt1"/>
+          </a:fontRef>
+        </p:style>
+        <p:txBody>
+          <a:bodyPr rtlCol="0" anchor="ctr"/>
+          <a:lstStyle/>
+          <a:p>
+            <a:pPr algn="ctr"/>
+            <a:r>
+              <a:rPr lang="fr-FR" sz="1200" dirty="0"/>
+              <a:t>Message</a:t>
             </a:r>
           </a:p>
         </p:txBody>
